--- a/Topic modeling workshop.pptx
+++ b/Topic modeling workshop.pptx
@@ -18830,11 +18830,7 @@
                                           </p:stCondLst>
                                         </p:cTn>
                                         <p:tgtEl>
-                                          <p:spTgt spid="47">
-                                            <p:txEl>
-                                              <p:pRg st="0" end="0"/>
-                                            </p:txEl>
-                                          </p:spTgt>
+                                          <p:spTgt spid="25"/>
                                         </p:tgtEl>
                                         <p:attrNameLst>
                                           <p:attrName>style.visibility</p:attrName>
@@ -18879,7 +18875,11 @@
                                           </p:stCondLst>
                                         </p:cTn>
                                         <p:tgtEl>
-                                          <p:spTgt spid="25"/>
+                                          <p:spTgt spid="47">
+                                            <p:txEl>
+                                              <p:pRg st="0" end="0"/>
+                                            </p:txEl>
+                                          </p:spTgt>
                                         </p:tgtEl>
                                         <p:attrNameLst>
                                           <p:attrName>style.visibility</p:attrName>
